--- a/src/ppt4_ar.pptx
+++ b/src/ppt4_ar.pptx
@@ -115,7 +115,7 @@
   </p:defaultTextStyle>
   <p:extLst>
     <p:ext uri="{EFAFB233-063F-42B5-8137-9DF3F51BA10A}">
-      <p15:sldGuideLst xmlns:p15="http://schemas.microsoft.com/office/powerpoint/2012/main">
+      <p15:sldGuideLst xmlns:p15="http://schemas.microsoft.com/office/powerpoint/2012/main" xmlns="">
         <p15:guide id="1" orient="horz" pos="2160">
           <p15:clr>
             <a:srgbClr val="A4A3A4"/>
@@ -855,7 +855,7 @@
             <a:fld id="{48A87A34-81AB-432B-8DAE-1953F412C126}" type="datetimeFigureOut">
               <a:rPr lang="en-US" smtClean="0"/>
               <a:pPr/>
-              <a:t>12/16/2017</a:t>
+              <a:t>2/26/2018</a:t>
             </a:fld>
             <a:endParaRPr lang="en-US" dirty="0"/>
           </a:p>
@@ -907,7 +907,7 @@
     </p:spTree>
     <p:extLst>
       <p:ext uri="{BB962C8B-B14F-4D97-AF65-F5344CB8AC3E}">
-        <p14:creationId xmlns:p14="http://schemas.microsoft.com/office/powerpoint/2010/main" val="2379700270"/>
+        <p14:creationId xmlns:p14="http://schemas.microsoft.com/office/powerpoint/2010/main" xmlns="" val="2379700270"/>
       </p:ext>
     </p:extLst>
   </p:cSld>
@@ -1108,7 +1108,7 @@
             <a:fld id="{48A87A34-81AB-432B-8DAE-1953F412C126}" type="datetimeFigureOut">
               <a:rPr lang="en-US" smtClean="0"/>
               <a:pPr/>
-              <a:t>12/16/2017</a:t>
+              <a:t>2/26/2018</a:t>
             </a:fld>
             <a:endParaRPr lang="en-US" dirty="0"/>
           </a:p>
@@ -1160,7 +1160,7 @@
     </p:spTree>
     <p:extLst>
       <p:ext uri="{BB962C8B-B14F-4D97-AF65-F5344CB8AC3E}">
-        <p14:creationId xmlns:p14="http://schemas.microsoft.com/office/powerpoint/2010/main" val="1804991245"/>
+        <p14:creationId xmlns:p14="http://schemas.microsoft.com/office/powerpoint/2010/main" xmlns="" val="1804991245"/>
       </p:ext>
     </p:extLst>
   </p:cSld>
@@ -1424,7 +1424,7 @@
             <a:fld id="{48A87A34-81AB-432B-8DAE-1953F412C126}" type="datetimeFigureOut">
               <a:rPr lang="en-US" smtClean="0"/>
               <a:pPr/>
-              <a:t>12/16/2017</a:t>
+              <a:t>2/26/2018</a:t>
             </a:fld>
             <a:endParaRPr lang="en-US" dirty="0"/>
           </a:p>
@@ -1566,7 +1566,7 @@
     </p:spTree>
     <p:extLst>
       <p:ext uri="{BB962C8B-B14F-4D97-AF65-F5344CB8AC3E}">
-        <p14:creationId xmlns:p14="http://schemas.microsoft.com/office/powerpoint/2010/main" val="1473712570"/>
+        <p14:creationId xmlns:p14="http://schemas.microsoft.com/office/powerpoint/2010/main" xmlns="" val="1473712570"/>
       </p:ext>
     </p:extLst>
   </p:cSld>
@@ -1767,7 +1767,7 @@
             <a:fld id="{48A87A34-81AB-432B-8DAE-1953F412C126}" type="datetimeFigureOut">
               <a:rPr lang="en-US" smtClean="0"/>
               <a:pPr/>
-              <a:t>12/16/2017</a:t>
+              <a:t>2/26/2018</a:t>
             </a:fld>
             <a:endParaRPr lang="en-US" dirty="0"/>
           </a:p>
@@ -1819,7 +1819,7 @@
     </p:spTree>
     <p:extLst>
       <p:ext uri="{BB962C8B-B14F-4D97-AF65-F5344CB8AC3E}">
-        <p14:creationId xmlns:p14="http://schemas.microsoft.com/office/powerpoint/2010/main" val="2530574234"/>
+        <p14:creationId xmlns:p14="http://schemas.microsoft.com/office/powerpoint/2010/main" xmlns="" val="2530574234"/>
       </p:ext>
     </p:extLst>
   </p:cSld>
@@ -2083,7 +2083,7 @@
             <a:fld id="{48A87A34-81AB-432B-8DAE-1953F412C126}" type="datetimeFigureOut">
               <a:rPr lang="en-US" smtClean="0"/>
               <a:pPr/>
-              <a:t>12/16/2017</a:t>
+              <a:t>2/26/2018</a:t>
             </a:fld>
             <a:endParaRPr lang="en-US" dirty="0"/>
           </a:p>
@@ -2217,7 +2217,7 @@
     </p:spTree>
     <p:extLst>
       <p:ext uri="{BB962C8B-B14F-4D97-AF65-F5344CB8AC3E}">
-        <p14:creationId xmlns:p14="http://schemas.microsoft.com/office/powerpoint/2010/main" val="1004790222"/>
+        <p14:creationId xmlns:p14="http://schemas.microsoft.com/office/powerpoint/2010/main" xmlns="" val="1004790222"/>
       </p:ext>
     </p:extLst>
   </p:cSld>
@@ -2478,7 +2478,7 @@
             <a:fld id="{48A87A34-81AB-432B-8DAE-1953F412C126}" type="datetimeFigureOut">
               <a:rPr lang="en-US" smtClean="0"/>
               <a:pPr/>
-              <a:t>12/16/2017</a:t>
+              <a:t>2/26/2018</a:t>
             </a:fld>
             <a:endParaRPr lang="en-US" dirty="0"/>
           </a:p>
@@ -2530,7 +2530,7 @@
     </p:spTree>
     <p:extLst>
       <p:ext uri="{BB962C8B-B14F-4D97-AF65-F5344CB8AC3E}">
-        <p14:creationId xmlns:p14="http://schemas.microsoft.com/office/powerpoint/2010/main" val="3328784466"/>
+        <p14:creationId xmlns:p14="http://schemas.microsoft.com/office/powerpoint/2010/main" xmlns="" val="3328784466"/>
       </p:ext>
     </p:extLst>
   </p:cSld>
@@ -2650,7 +2650,7 @@
             <a:fld id="{48A87A34-81AB-432B-8DAE-1953F412C126}" type="datetimeFigureOut">
               <a:rPr lang="en-US" smtClean="0"/>
               <a:pPr/>
-              <a:t>12/16/2017</a:t>
+              <a:t>2/26/2018</a:t>
             </a:fld>
             <a:endParaRPr lang="en-US" dirty="0"/>
           </a:p>
@@ -2702,7 +2702,7 @@
     </p:spTree>
     <p:extLst>
       <p:ext uri="{BB962C8B-B14F-4D97-AF65-F5344CB8AC3E}">
-        <p14:creationId xmlns:p14="http://schemas.microsoft.com/office/powerpoint/2010/main" val="1447070425"/>
+        <p14:creationId xmlns:p14="http://schemas.microsoft.com/office/powerpoint/2010/main" xmlns="" val="1447070425"/>
       </p:ext>
     </p:extLst>
   </p:cSld>
@@ -2832,7 +2832,7 @@
             <a:fld id="{48A87A34-81AB-432B-8DAE-1953F412C126}" type="datetimeFigureOut">
               <a:rPr lang="en-US" smtClean="0"/>
               <a:pPr/>
-              <a:t>12/16/2017</a:t>
+              <a:t>2/26/2018</a:t>
             </a:fld>
             <a:endParaRPr lang="en-US" dirty="0"/>
           </a:p>
@@ -2884,7 +2884,7 @@
     </p:spTree>
     <p:extLst>
       <p:ext uri="{BB962C8B-B14F-4D97-AF65-F5344CB8AC3E}">
-        <p14:creationId xmlns:p14="http://schemas.microsoft.com/office/powerpoint/2010/main" val="3648480235"/>
+        <p14:creationId xmlns:p14="http://schemas.microsoft.com/office/powerpoint/2010/main" xmlns="" val="3648480235"/>
       </p:ext>
     </p:extLst>
   </p:cSld>
@@ -3010,7 +3010,7 @@
             <a:fld id="{48A87A34-81AB-432B-8DAE-1953F412C126}" type="datetimeFigureOut">
               <a:rPr lang="en-US" smtClean="0"/>
               <a:pPr/>
-              <a:t>12/16/2017</a:t>
+              <a:t>2/26/2018</a:t>
             </a:fld>
             <a:endParaRPr lang="en-US" dirty="0"/>
           </a:p>
@@ -3062,7 +3062,7 @@
     </p:spTree>
     <p:extLst>
       <p:ext uri="{BB962C8B-B14F-4D97-AF65-F5344CB8AC3E}">
-        <p14:creationId xmlns:p14="http://schemas.microsoft.com/office/powerpoint/2010/main" val="2649633687"/>
+        <p14:creationId xmlns:p14="http://schemas.microsoft.com/office/powerpoint/2010/main" xmlns="" val="2649633687"/>
       </p:ext>
     </p:extLst>
   </p:cSld>
@@ -3259,7 +3259,7 @@
             <a:fld id="{48A87A34-81AB-432B-8DAE-1953F412C126}" type="datetimeFigureOut">
               <a:rPr lang="en-US" smtClean="0"/>
               <a:pPr/>
-              <a:t>12/16/2017</a:t>
+              <a:t>2/26/2018</a:t>
             </a:fld>
             <a:endParaRPr lang="en-US" dirty="0"/>
           </a:p>
@@ -3311,7 +3311,7 @@
     </p:spTree>
     <p:extLst>
       <p:ext uri="{BB962C8B-B14F-4D97-AF65-F5344CB8AC3E}">
-        <p14:creationId xmlns:p14="http://schemas.microsoft.com/office/powerpoint/2010/main" val="572893903"/>
+        <p14:creationId xmlns:p14="http://schemas.microsoft.com/office/powerpoint/2010/main" xmlns="" val="572893903"/>
       </p:ext>
     </p:extLst>
   </p:cSld>
@@ -3493,7 +3493,7 @@
             <a:fld id="{48A87A34-81AB-432B-8DAE-1953F412C126}" type="datetimeFigureOut">
               <a:rPr lang="en-US" smtClean="0"/>
               <a:pPr/>
-              <a:t>12/16/2017</a:t>
+              <a:t>2/26/2018</a:t>
             </a:fld>
             <a:endParaRPr lang="en-US" dirty="0"/>
           </a:p>
@@ -3545,7 +3545,7 @@
     </p:spTree>
     <p:extLst>
       <p:ext uri="{BB962C8B-B14F-4D97-AF65-F5344CB8AC3E}">
-        <p14:creationId xmlns:p14="http://schemas.microsoft.com/office/powerpoint/2010/main" val="3918475607"/>
+        <p14:creationId xmlns:p14="http://schemas.microsoft.com/office/powerpoint/2010/main" xmlns="" val="3918475607"/>
       </p:ext>
     </p:extLst>
   </p:cSld>
@@ -3869,7 +3869,7 @@
             <a:fld id="{48A87A34-81AB-432B-8DAE-1953F412C126}" type="datetimeFigureOut">
               <a:rPr lang="en-US" smtClean="0"/>
               <a:pPr/>
-              <a:t>12/16/2017</a:t>
+              <a:t>2/26/2018</a:t>
             </a:fld>
             <a:endParaRPr lang="en-US" dirty="0"/>
           </a:p>
@@ -3921,7 +3921,7 @@
     </p:spTree>
     <p:extLst>
       <p:ext uri="{BB962C8B-B14F-4D97-AF65-F5344CB8AC3E}">
-        <p14:creationId xmlns:p14="http://schemas.microsoft.com/office/powerpoint/2010/main" val="70569158"/>
+        <p14:creationId xmlns:p14="http://schemas.microsoft.com/office/powerpoint/2010/main" xmlns="" val="70569158"/>
       </p:ext>
     </p:extLst>
   </p:cSld>
@@ -3994,7 +3994,7 @@
             <a:fld id="{48A87A34-81AB-432B-8DAE-1953F412C126}" type="datetimeFigureOut">
               <a:rPr lang="en-US" smtClean="0"/>
               <a:pPr/>
-              <a:t>12/16/2017</a:t>
+              <a:t>2/26/2018</a:t>
             </a:fld>
             <a:endParaRPr lang="en-US" dirty="0"/>
           </a:p>
@@ -4046,7 +4046,7 @@
     </p:spTree>
     <p:extLst>
       <p:ext uri="{BB962C8B-B14F-4D97-AF65-F5344CB8AC3E}">
-        <p14:creationId xmlns:p14="http://schemas.microsoft.com/office/powerpoint/2010/main" val="3956773614"/>
+        <p14:creationId xmlns:p14="http://schemas.microsoft.com/office/powerpoint/2010/main" xmlns="" val="3956773614"/>
       </p:ext>
     </p:extLst>
   </p:cSld>
@@ -4091,7 +4091,7 @@
             <a:fld id="{48A87A34-81AB-432B-8DAE-1953F412C126}" type="datetimeFigureOut">
               <a:rPr lang="en-US" smtClean="0"/>
               <a:pPr/>
-              <a:t>12/16/2017</a:t>
+              <a:t>2/26/2018</a:t>
             </a:fld>
             <a:endParaRPr lang="en-US" dirty="0"/>
           </a:p>
@@ -4143,7 +4143,7 @@
     </p:spTree>
     <p:extLst>
       <p:ext uri="{BB962C8B-B14F-4D97-AF65-F5344CB8AC3E}">
-        <p14:creationId xmlns:p14="http://schemas.microsoft.com/office/powerpoint/2010/main" val="843387325"/>
+        <p14:creationId xmlns:p14="http://schemas.microsoft.com/office/powerpoint/2010/main" xmlns="" val="843387325"/>
       </p:ext>
     </p:extLst>
   </p:cSld>
@@ -4348,7 +4348,7 @@
             <a:fld id="{48A87A34-81AB-432B-8DAE-1953F412C126}" type="datetimeFigureOut">
               <a:rPr lang="en-US" smtClean="0"/>
               <a:pPr/>
-              <a:t>12/16/2017</a:t>
+              <a:t>2/26/2018</a:t>
             </a:fld>
             <a:endParaRPr lang="en-US" dirty="0"/>
           </a:p>
@@ -4400,7 +4400,7 @@
     </p:spTree>
     <p:extLst>
       <p:ext uri="{BB962C8B-B14F-4D97-AF65-F5344CB8AC3E}">
-        <p14:creationId xmlns:p14="http://schemas.microsoft.com/office/powerpoint/2010/main" val="614752468"/>
+        <p14:creationId xmlns:p14="http://schemas.microsoft.com/office/powerpoint/2010/main" xmlns="" val="614752468"/>
       </p:ext>
     </p:extLst>
   </p:cSld>
@@ -4613,7 +4613,7 @@
             <a:fld id="{48A87A34-81AB-432B-8DAE-1953F412C126}" type="datetimeFigureOut">
               <a:rPr lang="en-US" smtClean="0"/>
               <a:pPr/>
-              <a:t>12/16/2017</a:t>
+              <a:t>2/26/2018</a:t>
             </a:fld>
             <a:endParaRPr lang="en-US" dirty="0"/>
           </a:p>
@@ -4665,7 +4665,7 @@
     </p:spTree>
     <p:extLst>
       <p:ext uri="{BB962C8B-B14F-4D97-AF65-F5344CB8AC3E}">
-        <p14:creationId xmlns:p14="http://schemas.microsoft.com/office/powerpoint/2010/main" val="2525773852"/>
+        <p14:creationId xmlns:p14="http://schemas.microsoft.com/office/powerpoint/2010/main" xmlns="" val="2525773852"/>
       </p:ext>
     </p:extLst>
   </p:cSld>
@@ -5358,7 +5358,7 @@
             <a:fld id="{48A87A34-81AB-432B-8DAE-1953F412C126}" type="datetimeFigureOut">
               <a:rPr lang="en-US" smtClean="0"/>
               <a:pPr/>
-              <a:t>12/16/2017</a:t>
+              <a:t>2/26/2018</a:t>
             </a:fld>
             <a:endParaRPr lang="en-US" dirty="0"/>
           </a:p>
@@ -5444,7 +5444,7 @@
     </p:spTree>
     <p:extLst>
       <p:ext uri="{BB962C8B-B14F-4D97-AF65-F5344CB8AC3E}">
-        <p14:creationId xmlns:p14="http://schemas.microsoft.com/office/powerpoint/2010/main" val="2849168193"/>
+        <p14:creationId xmlns:p14="http://schemas.microsoft.com/office/powerpoint/2010/main" xmlns="" val="2849168193"/>
       </p:ext>
     </p:extLst>
   </p:cSld>
@@ -5950,7 +5950,7 @@
     </p:spTree>
     <p:extLst>
       <p:ext uri="{BB962C8B-B14F-4D97-AF65-F5344CB8AC3E}">
-        <p14:creationId xmlns:p14="http://schemas.microsoft.com/office/powerpoint/2010/main" val="1597654807"/>
+        <p14:creationId xmlns:p14="http://schemas.microsoft.com/office/powerpoint/2010/main" xmlns="" val="1597654807"/>
       </p:ext>
     </p:extLst>
   </p:cSld>
@@ -6138,7 +6138,7 @@
     </p:spTree>
     <p:extLst>
       <p:ext uri="{BB962C8B-B14F-4D97-AF65-F5344CB8AC3E}">
-        <p14:creationId xmlns:p14="http://schemas.microsoft.com/office/powerpoint/2010/main" val="2508929371"/>
+        <p14:creationId xmlns:p14="http://schemas.microsoft.com/office/powerpoint/2010/main" xmlns="" val="2508929371"/>
       </p:ext>
     </p:extLst>
   </p:cSld>
@@ -6263,8 +6263,8 @@
             </a:r>
             <a:r>
               <a:rPr lang="en-US" sz="2800" dirty="0" smtClean="0">
-                <a:latin typeface="Ara Hamah Alislam" panose="00000500000000000000" pitchFamily="2" charset="-78"/>
-                <a:cs typeface="Ara Hamah Alislam" panose="00000500000000000000" pitchFamily="2" charset="-78"/>
+                <a:latin typeface="Arial" pitchFamily="34" charset="0"/>
+                <a:cs typeface="Arial" pitchFamily="34" charset="0"/>
               </a:rPr>
               <a:t>ScratchX</a:t>
             </a:r>
@@ -6420,7 +6420,7 @@
     </p:spTree>
     <p:extLst>
       <p:ext uri="{BB962C8B-B14F-4D97-AF65-F5344CB8AC3E}">
-        <p14:creationId xmlns:p14="http://schemas.microsoft.com/office/powerpoint/2010/main" val="2508929371"/>
+        <p14:creationId xmlns:p14="http://schemas.microsoft.com/office/powerpoint/2010/main" xmlns="" val="2508929371"/>
       </p:ext>
     </p:extLst>
   </p:cSld>
@@ -6545,8 +6545,8 @@
             </a:r>
             <a:r>
               <a:rPr lang="en-US" sz="5400" dirty="0" smtClean="0">
-                <a:latin typeface="Ara Hamah Alislam" panose="00000500000000000000" pitchFamily="2" charset="-78"/>
-                <a:cs typeface="Ara Hamah Alislam" panose="00000500000000000000" pitchFamily="2" charset="-78"/>
+                <a:latin typeface="Arial" pitchFamily="34" charset="0"/>
+                <a:cs typeface="Arial" pitchFamily="34" charset="0"/>
               </a:rPr>
               <a:t>ScratchX</a:t>
             </a:r>
@@ -6573,7 +6573,7 @@
     </p:spTree>
     <p:extLst>
       <p:ext uri="{BB962C8B-B14F-4D97-AF65-F5344CB8AC3E}">
-        <p14:creationId xmlns:p14="http://schemas.microsoft.com/office/powerpoint/2010/main" val="2508929371"/>
+        <p14:creationId xmlns:p14="http://schemas.microsoft.com/office/powerpoint/2010/main" xmlns="" val="2508929371"/>
       </p:ext>
     </p:extLst>
   </p:cSld>
@@ -6794,7 +6794,7 @@
     </p:spTree>
     <p:extLst>
       <p:ext uri="{BB962C8B-B14F-4D97-AF65-F5344CB8AC3E}">
-        <p14:creationId xmlns:p14="http://schemas.microsoft.com/office/powerpoint/2010/main" val="2508929371"/>
+        <p14:creationId xmlns:p14="http://schemas.microsoft.com/office/powerpoint/2010/main" xmlns="" val="2508929371"/>
       </p:ext>
     </p:extLst>
   </p:cSld>
@@ -6846,7 +6846,7 @@
         </p:spPr>
         <p:txBody>
           <a:bodyPr>
-            <a:normAutofit/>
+            <a:normAutofit fontScale="90000"/>
           </a:bodyPr>
           <a:lstStyle/>
           <a:p>
@@ -7010,8 +7010,8 @@
             </a:r>
             <a:r>
               <a:rPr lang="en-US" sz="3600" dirty="0" smtClean="0">
-                <a:latin typeface="Ara Hamah Alislam" panose="00000500000000000000" pitchFamily="2" charset="-78"/>
-                <a:cs typeface="Ara Hamah Alislam" panose="00000500000000000000" pitchFamily="2" charset="-78"/>
+                <a:latin typeface="Arial" pitchFamily="34" charset="0"/>
+                <a:cs typeface="Arial" pitchFamily="34" charset="0"/>
               </a:rPr>
               <a:t>ScratchX</a:t>
             </a:r>
@@ -7095,7 +7095,7 @@
         </p:blipFill>
         <p:spPr bwMode="auto">
           <a:xfrm>
-            <a:off x="3376973" y="4495279"/>
+            <a:off x="2998282" y="4504516"/>
             <a:ext cx="1791878" cy="1866333"/>
           </a:xfrm>
           <a:prstGeom prst="rect">
@@ -7127,7 +7127,7 @@
         </p:blipFill>
         <p:spPr bwMode="auto">
           <a:xfrm>
-            <a:off x="618186" y="4317050"/>
+            <a:off x="443346" y="4289341"/>
             <a:ext cx="2290489" cy="2222790"/>
           </a:xfrm>
           <a:prstGeom prst="rect">
@@ -7145,7 +7145,7 @@
     </p:spTree>
     <p:extLst>
       <p:ext uri="{BB962C8B-B14F-4D97-AF65-F5344CB8AC3E}">
-        <p14:creationId xmlns:p14="http://schemas.microsoft.com/office/powerpoint/2010/main" val="519124528"/>
+        <p14:creationId xmlns:p14="http://schemas.microsoft.com/office/powerpoint/2010/main" xmlns="" val="519124528"/>
       </p:ext>
     </p:extLst>
   </p:cSld>
@@ -7203,20 +7203,20 @@
           <a:p>
             <a:pPr algn="r"/>
             <a:r>
-              <a:rPr lang="ar-EG" sz="6600" b="1" dirty="0" smtClean="0">
+              <a:rPr lang="ar-EG" sz="4800" b="1" dirty="0" smtClean="0">
                 <a:latin typeface="Ara Hamah Alislam" panose="00000500000000000000" pitchFamily="2" charset="-78"/>
                 <a:cs typeface="Ara Hamah Alislam" panose="00000500000000000000" pitchFamily="2" charset="-78"/>
               </a:rPr>
               <a:t>أوامر أنغام الروبوت في سكراتش </a:t>
             </a:r>
             <a:r>
-              <a:rPr lang="en-US" sz="6600" b="1" dirty="0" smtClean="0">
+              <a:rPr lang="en-US" sz="4800" b="1" dirty="0" smtClean="0">
                 <a:latin typeface="Ara Hamah Alislam" panose="00000500000000000000" pitchFamily="2" charset="-78"/>
                 <a:cs typeface="Ara Hamah Alislam" panose="00000500000000000000" pitchFamily="2" charset="-78"/>
               </a:rPr>
               <a:t>X</a:t>
             </a:r>
-            <a:endParaRPr lang="he-IL" sz="6600" b="1" dirty="0">
+            <a:endParaRPr lang="he-IL" sz="4800" b="1" dirty="0">
               <a:latin typeface="Ara Hamah Alislam" panose="00000500000000000000" pitchFamily="2" charset="-78"/>
             </a:endParaRPr>
           </a:p>
@@ -7417,7 +7417,7 @@
     </p:spTree>
     <p:extLst>
       <p:ext uri="{BB962C8B-B14F-4D97-AF65-F5344CB8AC3E}">
-        <p14:creationId xmlns:p14="http://schemas.microsoft.com/office/powerpoint/2010/main" val="2508929371"/>
+        <p14:creationId xmlns:p14="http://schemas.microsoft.com/office/powerpoint/2010/main" xmlns="" val="2508929371"/>
       </p:ext>
     </p:extLst>
   </p:cSld>
@@ -7709,7 +7709,7 @@
     </p:spTree>
     <p:extLst>
       <p:ext uri="{BB962C8B-B14F-4D97-AF65-F5344CB8AC3E}">
-        <p14:creationId xmlns:p14="http://schemas.microsoft.com/office/powerpoint/2010/main" val="2508929371"/>
+        <p14:creationId xmlns:p14="http://schemas.microsoft.com/office/powerpoint/2010/main" xmlns="" val="2508929371"/>
       </p:ext>
     </p:extLst>
   </p:cSld>
@@ -7802,152 +7802,152 @@
           <a:lstStyle/>
           <a:p>
             <a:r>
-              <a:rPr lang="he-IL" sz="4000" dirty="0" smtClean="0"/>
+              <a:rPr lang="he-IL" sz="3600" dirty="0" smtClean="0"/>
               <a:t> </a:t>
             </a:r>
             <a:r>
-              <a:rPr lang="ar-EG" sz="3600" dirty="0" smtClean="0">
+              <a:rPr lang="ar-EG" sz="3200" dirty="0" smtClean="0">
                 <a:latin typeface="Ara Hamah Alislam" panose="00000500000000000000" pitchFamily="2" charset="-78"/>
                 <a:cs typeface="Ara Hamah Alislam" panose="00000500000000000000" pitchFamily="2" charset="-78"/>
               </a:rPr>
               <a:t>دفع مُتزامن </a:t>
             </a:r>
-            <a:endParaRPr lang="he-IL" sz="3600" dirty="0" smtClean="0">
+            <a:endParaRPr lang="he-IL" sz="3200" dirty="0" smtClean="0">
               <a:latin typeface="Ara Hamah Alislam" panose="00000500000000000000" pitchFamily="2" charset="-78"/>
             </a:endParaRPr>
           </a:p>
           <a:p>
             <a:pPr lvl="1"/>
             <a:r>
-              <a:rPr lang="he-IL" sz="3600" dirty="0" smtClean="0">
+              <a:rPr lang="he-IL" sz="3200" dirty="0" smtClean="0">
                 <a:latin typeface="Ara Hamah Alislam" panose="00000500000000000000" pitchFamily="2" charset="-78"/>
               </a:rPr>
               <a:t> </a:t>
             </a:r>
             <a:r>
-              <a:rPr lang="ar-EG" sz="3600" dirty="0" smtClean="0">
+              <a:rPr lang="ar-EG" sz="3200" dirty="0" smtClean="0">
                 <a:latin typeface="Ara Hamah Alislam" panose="00000500000000000000" pitchFamily="2" charset="-78"/>
                 <a:cs typeface="Ara Hamah Alislam" panose="00000500000000000000" pitchFamily="2" charset="-78"/>
               </a:rPr>
               <a:t>مُتزامن = مُنسق</a:t>
             </a:r>
-            <a:endParaRPr lang="he-IL" sz="3600" dirty="0" smtClean="0">
+            <a:endParaRPr lang="he-IL" sz="3200" dirty="0" smtClean="0">
               <a:latin typeface="Ara Hamah Alislam" panose="00000500000000000000" pitchFamily="2" charset="-78"/>
             </a:endParaRPr>
           </a:p>
           <a:p>
             <a:pPr lvl="1"/>
             <a:r>
-              <a:rPr lang="he-IL" sz="3600" dirty="0" smtClean="0">
+              <a:rPr lang="he-IL" sz="3200" dirty="0" smtClean="0">
                 <a:latin typeface="Ara Hamah Alislam" panose="00000500000000000000" pitchFamily="2" charset="-78"/>
               </a:rPr>
               <a:t> </a:t>
             </a:r>
             <a:r>
-              <a:rPr lang="ar-EG" sz="3600" dirty="0" smtClean="0">
+              <a:rPr lang="ar-EG" sz="3200" dirty="0" smtClean="0">
                 <a:latin typeface="Ara Hamah Alislam" panose="00000500000000000000" pitchFamily="2" charset="-78"/>
                 <a:cs typeface="Ara Hamah Alislam" panose="00000500000000000000" pitchFamily="2" charset="-78"/>
               </a:rPr>
               <a:t>هكذا تعمل سيارتنا </a:t>
             </a:r>
-            <a:endParaRPr lang="he-IL" sz="3600" dirty="0" smtClean="0">
+            <a:endParaRPr lang="he-IL" sz="3200" dirty="0" smtClean="0">
               <a:latin typeface="Ara Hamah Alislam" panose="00000500000000000000" pitchFamily="2" charset="-78"/>
             </a:endParaRPr>
           </a:p>
           <a:p>
             <a:pPr lvl="2"/>
             <a:r>
-              <a:rPr lang="en-US" sz="3600" dirty="0" smtClean="0">
+              <a:rPr lang="en-US" sz="3200" dirty="0" smtClean="0">
                 <a:latin typeface="Ara Hamah Alislam" panose="00000500000000000000" pitchFamily="2" charset="-78"/>
                 <a:cs typeface="Ara Hamah Alislam" panose="00000500000000000000" pitchFamily="2" charset="-78"/>
               </a:rPr>
               <a:t> </a:t>
             </a:r>
             <a:r>
-              <a:rPr lang="ar-EG" sz="3600" dirty="0" smtClean="0">
+              <a:rPr lang="ar-EG" sz="3200" dirty="0" smtClean="0">
                 <a:latin typeface="Ara Hamah Alislam" panose="00000500000000000000" pitchFamily="2" charset="-78"/>
                 <a:cs typeface="Ara Hamah Alislam" panose="00000500000000000000" pitchFamily="2" charset="-78"/>
               </a:rPr>
               <a:t>العجلات الأمامية المسؤولة عن التحرك تدور بنفس الإتجاه والسرعة </a:t>
             </a:r>
-            <a:endParaRPr lang="he-IL" sz="3600" dirty="0" smtClean="0">
+            <a:endParaRPr lang="he-IL" sz="3200" dirty="0" smtClean="0">
               <a:latin typeface="Ara Hamah Alislam" panose="00000500000000000000" pitchFamily="2" charset="-78"/>
             </a:endParaRPr>
           </a:p>
           <a:p>
             <a:pPr lvl="2"/>
             <a:r>
-              <a:rPr lang="he-IL" sz="3600" dirty="0" smtClean="0">
+              <a:rPr lang="he-IL" sz="3200" dirty="0" smtClean="0">
                 <a:latin typeface="Ara Hamah Alislam" panose="00000500000000000000" pitchFamily="2" charset="-78"/>
               </a:rPr>
               <a:t> </a:t>
             </a:r>
             <a:r>
-              <a:rPr lang="ar-EG" sz="3600" dirty="0" smtClean="0">
+              <a:rPr lang="ar-EG" sz="3200" dirty="0" smtClean="0">
                 <a:latin typeface="Ara Hamah Alislam" panose="00000500000000000000" pitchFamily="2" charset="-78"/>
                 <a:cs typeface="Ara Hamah Alislam" panose="00000500000000000000" pitchFamily="2" charset="-78"/>
               </a:rPr>
               <a:t>مساوئ :</a:t>
             </a:r>
             <a:r>
-              <a:rPr lang="ar-EG" sz="3600" dirty="0" smtClean="0">
+              <a:rPr lang="ar-EG" sz="3200" dirty="0" smtClean="0">
                 <a:latin typeface="Ara Hamah Alislam" panose="00000500000000000000" pitchFamily="2" charset="-78"/>
               </a:rPr>
               <a:t> </a:t>
             </a:r>
             <a:r>
-              <a:rPr lang="ar-EG" sz="3600" dirty="0" smtClean="0">
+              <a:rPr lang="ar-EG" sz="3200" dirty="0" smtClean="0">
                 <a:latin typeface="Ara Hamah Alislam" panose="00000500000000000000" pitchFamily="2" charset="-78"/>
                 <a:cs typeface="Ara Hamah Alislam" panose="00000500000000000000" pitchFamily="2" charset="-78"/>
               </a:rPr>
               <a:t>انعدام المرونة في الحركة </a:t>
             </a:r>
-            <a:endParaRPr lang="he-IL" sz="3600" dirty="0" smtClean="0">
+            <a:endParaRPr lang="he-IL" sz="3200" dirty="0" smtClean="0">
               <a:latin typeface="Ara Hamah Alislam" panose="00000500000000000000" pitchFamily="2" charset="-78"/>
             </a:endParaRPr>
           </a:p>
           <a:p>
             <a:pPr lvl="2"/>
             <a:r>
-              <a:rPr lang="ar-EG" sz="3600" dirty="0" smtClean="0">
+              <a:rPr lang="ar-EG" sz="3200" dirty="0" smtClean="0">
                 <a:latin typeface="Ara Hamah Alislam" panose="00000500000000000000" pitchFamily="2" charset="-78"/>
                 <a:cs typeface="Ara Hamah Alislam" panose="00000500000000000000" pitchFamily="2" charset="-78"/>
               </a:rPr>
               <a:t>  أية</a:t>
             </a:r>
             <a:r>
-              <a:rPr lang="he-IL" sz="3600" dirty="0" smtClean="0">
+              <a:rPr lang="he-IL" sz="3200" dirty="0" smtClean="0">
                 <a:latin typeface="Ara Hamah Alislam" panose="00000500000000000000" pitchFamily="2" charset="-78"/>
               </a:rPr>
               <a:t> </a:t>
             </a:r>
             <a:r>
-              <a:rPr lang="ar-EG" sz="3600" dirty="0" smtClean="0">
+              <a:rPr lang="ar-EG" sz="3200" dirty="0" smtClean="0">
                 <a:latin typeface="Ara Hamah Alislam" panose="00000500000000000000" pitchFamily="2" charset="-78"/>
                 <a:cs typeface="Ara Hamah Alislam" panose="00000500000000000000" pitchFamily="2" charset="-78"/>
               </a:rPr>
               <a:t>أنواع التحركات لا يمكننا تنفيذها بسيارتنا ؟</a:t>
             </a:r>
-            <a:endParaRPr lang="he-IL" sz="3600" dirty="0" smtClean="0">
+            <a:endParaRPr lang="he-IL" sz="3200" dirty="0" smtClean="0">
               <a:latin typeface="Ara Hamah Alislam" panose="00000500000000000000" pitchFamily="2" charset="-78"/>
             </a:endParaRPr>
           </a:p>
           <a:p>
             <a:pPr lvl="2"/>
             <a:r>
-              <a:rPr lang="he-IL" sz="3600" dirty="0" smtClean="0">
+              <a:rPr lang="he-IL" sz="3200" dirty="0" smtClean="0">
                 <a:latin typeface="Ara Hamah Alislam" panose="00000500000000000000" pitchFamily="2" charset="-78"/>
               </a:rPr>
               <a:t> </a:t>
             </a:r>
             <a:r>
-              <a:rPr lang="ar-EG" sz="3600" dirty="0" smtClean="0">
+              <a:rPr lang="ar-EG" sz="3200" dirty="0" smtClean="0">
                 <a:latin typeface="Ara Hamah Alislam" panose="00000500000000000000" pitchFamily="2" charset="-78"/>
                 <a:cs typeface="Ara Hamah Alislam" panose="00000500000000000000" pitchFamily="2" charset="-78"/>
               </a:rPr>
               <a:t>محاسن : يكفي محرك واحد لعجلين </a:t>
             </a:r>
-            <a:endParaRPr lang="he-IL" sz="3600" dirty="0" smtClean="0">
+            <a:endParaRPr lang="he-IL" sz="3200" dirty="0" smtClean="0">
               <a:latin typeface="Ara Hamah Alislam" panose="00000500000000000000" pitchFamily="2" charset="-78"/>
             </a:endParaRPr>
           </a:p>
@@ -7969,7 +7969,7 @@
         </p:blipFill>
         <p:spPr>
           <a:xfrm>
-            <a:off x="474618" y="1737360"/>
+            <a:off x="474618" y="1617292"/>
             <a:ext cx="3169920" cy="1748409"/>
           </a:xfrm>
           <a:prstGeom prst="rect">
@@ -7980,7 +7980,7 @@
     </p:spTree>
     <p:extLst>
       <p:ext uri="{BB962C8B-B14F-4D97-AF65-F5344CB8AC3E}">
-        <p14:creationId xmlns:p14="http://schemas.microsoft.com/office/powerpoint/2010/main" val="2508929371"/>
+        <p14:creationId xmlns:p14="http://schemas.microsoft.com/office/powerpoint/2010/main" xmlns="" val="2508929371"/>
       </p:ext>
     </p:extLst>
   </p:cSld>
@@ -8030,8 +8030,8 @@
         </p:blipFill>
         <p:spPr>
           <a:xfrm rot="20970189">
-            <a:off x="-9518" y="4551225"/>
-            <a:ext cx="3945269" cy="2095924"/>
+            <a:off x="-291705" y="4974978"/>
+            <a:ext cx="3872342" cy="2057182"/>
           </a:xfrm>
           <a:prstGeom prst="rect">
             <a:avLst/>
@@ -8219,7 +8219,7 @@
     </p:spTree>
     <p:extLst>
       <p:ext uri="{BB962C8B-B14F-4D97-AF65-F5344CB8AC3E}">
-        <p14:creationId xmlns:p14="http://schemas.microsoft.com/office/powerpoint/2010/main" val="2508929371"/>
+        <p14:creationId xmlns:p14="http://schemas.microsoft.com/office/powerpoint/2010/main" xmlns="" val="2508929371"/>
       </p:ext>
     </p:extLst>
   </p:cSld>
@@ -8487,7 +8487,7 @@
   <a:extraClrSchemeLst/>
   <a:extLst>
     <a:ext uri="{05A4C25C-085E-4340-85A3-A5531E510DB2}">
-      <thm15:themeFamily xmlns:thm15="http://schemas.microsoft.com/office/thememl/2012/main" name="Facet" id="{C0C680CD-088A-49FC-A102-D699147F32B2}" vid="{CFBC31BA-B70F-4F30-BCAA-4F3011E16C4D}"/>
+      <thm15:themeFamily xmlns:thm15="http://schemas.microsoft.com/office/thememl/2012/main" xmlns="" name="Facet" id="{C0C680CD-088A-49FC-A102-D699147F32B2}" vid="{CFBC31BA-B70F-4F30-BCAA-4F3011E16C4D}"/>
     </a:ext>
   </a:extLst>
 </a:theme>

--- a/src/ppt4_ar.pptx
+++ b/src/ppt4_ar.pptx
@@ -115,7 +115,7 @@
   </p:defaultTextStyle>
   <p:extLst>
     <p:ext uri="{EFAFB233-063F-42B5-8137-9DF3F51BA10A}">
-      <p15:sldGuideLst xmlns:p15="http://schemas.microsoft.com/office/powerpoint/2012/main" xmlns="">
+      <p15:sldGuideLst xmlns="" xmlns:p15="http://schemas.microsoft.com/office/powerpoint/2012/main">
         <p15:guide id="1" orient="horz" pos="2160">
           <p15:clr>
             <a:srgbClr val="A4A3A4"/>
@@ -855,7 +855,7 @@
             <a:fld id="{48A87A34-81AB-432B-8DAE-1953F412C126}" type="datetimeFigureOut">
               <a:rPr lang="en-US" smtClean="0"/>
               <a:pPr/>
-              <a:t>2/26/2018</a:t>
+              <a:t>5/8/2018</a:t>
             </a:fld>
             <a:endParaRPr lang="en-US" dirty="0"/>
           </a:p>
@@ -907,7 +907,7 @@
     </p:spTree>
     <p:extLst>
       <p:ext uri="{BB962C8B-B14F-4D97-AF65-F5344CB8AC3E}">
-        <p14:creationId xmlns:p14="http://schemas.microsoft.com/office/powerpoint/2010/main" xmlns="" val="2379700270"/>
+        <p14:creationId xmlns="" xmlns:p14="http://schemas.microsoft.com/office/powerpoint/2010/main" val="2379700270"/>
       </p:ext>
     </p:extLst>
   </p:cSld>
@@ -1108,7 +1108,7 @@
             <a:fld id="{48A87A34-81AB-432B-8DAE-1953F412C126}" type="datetimeFigureOut">
               <a:rPr lang="en-US" smtClean="0"/>
               <a:pPr/>
-              <a:t>2/26/2018</a:t>
+              <a:t>5/8/2018</a:t>
             </a:fld>
             <a:endParaRPr lang="en-US" dirty="0"/>
           </a:p>
@@ -1160,7 +1160,7 @@
     </p:spTree>
     <p:extLst>
       <p:ext uri="{BB962C8B-B14F-4D97-AF65-F5344CB8AC3E}">
-        <p14:creationId xmlns:p14="http://schemas.microsoft.com/office/powerpoint/2010/main" xmlns="" val="1804991245"/>
+        <p14:creationId xmlns="" xmlns:p14="http://schemas.microsoft.com/office/powerpoint/2010/main" val="1804991245"/>
       </p:ext>
     </p:extLst>
   </p:cSld>
@@ -1424,7 +1424,7 @@
             <a:fld id="{48A87A34-81AB-432B-8DAE-1953F412C126}" type="datetimeFigureOut">
               <a:rPr lang="en-US" smtClean="0"/>
               <a:pPr/>
-              <a:t>2/26/2018</a:t>
+              <a:t>5/8/2018</a:t>
             </a:fld>
             <a:endParaRPr lang="en-US" dirty="0"/>
           </a:p>
@@ -1566,7 +1566,7 @@
     </p:spTree>
     <p:extLst>
       <p:ext uri="{BB962C8B-B14F-4D97-AF65-F5344CB8AC3E}">
-        <p14:creationId xmlns:p14="http://schemas.microsoft.com/office/powerpoint/2010/main" xmlns="" val="1473712570"/>
+        <p14:creationId xmlns="" xmlns:p14="http://schemas.microsoft.com/office/powerpoint/2010/main" val="1473712570"/>
       </p:ext>
     </p:extLst>
   </p:cSld>
@@ -1767,7 +1767,7 @@
             <a:fld id="{48A87A34-81AB-432B-8DAE-1953F412C126}" type="datetimeFigureOut">
               <a:rPr lang="en-US" smtClean="0"/>
               <a:pPr/>
-              <a:t>2/26/2018</a:t>
+              <a:t>5/8/2018</a:t>
             </a:fld>
             <a:endParaRPr lang="en-US" dirty="0"/>
           </a:p>
@@ -1819,7 +1819,7 @@
     </p:spTree>
     <p:extLst>
       <p:ext uri="{BB962C8B-B14F-4D97-AF65-F5344CB8AC3E}">
-        <p14:creationId xmlns:p14="http://schemas.microsoft.com/office/powerpoint/2010/main" xmlns="" val="2530574234"/>
+        <p14:creationId xmlns="" xmlns:p14="http://schemas.microsoft.com/office/powerpoint/2010/main" val="2530574234"/>
       </p:ext>
     </p:extLst>
   </p:cSld>
@@ -2083,7 +2083,7 @@
             <a:fld id="{48A87A34-81AB-432B-8DAE-1953F412C126}" type="datetimeFigureOut">
               <a:rPr lang="en-US" smtClean="0"/>
               <a:pPr/>
-              <a:t>2/26/2018</a:t>
+              <a:t>5/8/2018</a:t>
             </a:fld>
             <a:endParaRPr lang="en-US" dirty="0"/>
           </a:p>
@@ -2217,7 +2217,7 @@
     </p:spTree>
     <p:extLst>
       <p:ext uri="{BB962C8B-B14F-4D97-AF65-F5344CB8AC3E}">
-        <p14:creationId xmlns:p14="http://schemas.microsoft.com/office/powerpoint/2010/main" xmlns="" val="1004790222"/>
+        <p14:creationId xmlns="" xmlns:p14="http://schemas.microsoft.com/office/powerpoint/2010/main" val="1004790222"/>
       </p:ext>
     </p:extLst>
   </p:cSld>
@@ -2478,7 +2478,7 @@
             <a:fld id="{48A87A34-81AB-432B-8DAE-1953F412C126}" type="datetimeFigureOut">
               <a:rPr lang="en-US" smtClean="0"/>
               <a:pPr/>
-              <a:t>2/26/2018</a:t>
+              <a:t>5/8/2018</a:t>
             </a:fld>
             <a:endParaRPr lang="en-US" dirty="0"/>
           </a:p>
@@ -2530,7 +2530,7 @@
     </p:spTree>
     <p:extLst>
       <p:ext uri="{BB962C8B-B14F-4D97-AF65-F5344CB8AC3E}">
-        <p14:creationId xmlns:p14="http://schemas.microsoft.com/office/powerpoint/2010/main" xmlns="" val="3328784466"/>
+        <p14:creationId xmlns="" xmlns:p14="http://schemas.microsoft.com/office/powerpoint/2010/main" val="3328784466"/>
       </p:ext>
     </p:extLst>
   </p:cSld>
@@ -2650,7 +2650,7 @@
             <a:fld id="{48A87A34-81AB-432B-8DAE-1953F412C126}" type="datetimeFigureOut">
               <a:rPr lang="en-US" smtClean="0"/>
               <a:pPr/>
-              <a:t>2/26/2018</a:t>
+              <a:t>5/8/2018</a:t>
             </a:fld>
             <a:endParaRPr lang="en-US" dirty="0"/>
           </a:p>
@@ -2702,7 +2702,7 @@
     </p:spTree>
     <p:extLst>
       <p:ext uri="{BB962C8B-B14F-4D97-AF65-F5344CB8AC3E}">
-        <p14:creationId xmlns:p14="http://schemas.microsoft.com/office/powerpoint/2010/main" xmlns="" val="1447070425"/>
+        <p14:creationId xmlns="" xmlns:p14="http://schemas.microsoft.com/office/powerpoint/2010/main" val="1447070425"/>
       </p:ext>
     </p:extLst>
   </p:cSld>
@@ -2832,7 +2832,7 @@
             <a:fld id="{48A87A34-81AB-432B-8DAE-1953F412C126}" type="datetimeFigureOut">
               <a:rPr lang="en-US" smtClean="0"/>
               <a:pPr/>
-              <a:t>2/26/2018</a:t>
+              <a:t>5/8/2018</a:t>
             </a:fld>
             <a:endParaRPr lang="en-US" dirty="0"/>
           </a:p>
@@ -2884,7 +2884,7 @@
     </p:spTree>
     <p:extLst>
       <p:ext uri="{BB962C8B-B14F-4D97-AF65-F5344CB8AC3E}">
-        <p14:creationId xmlns:p14="http://schemas.microsoft.com/office/powerpoint/2010/main" xmlns="" val="3648480235"/>
+        <p14:creationId xmlns="" xmlns:p14="http://schemas.microsoft.com/office/powerpoint/2010/main" val="3648480235"/>
       </p:ext>
     </p:extLst>
   </p:cSld>
@@ -3010,7 +3010,7 @@
             <a:fld id="{48A87A34-81AB-432B-8DAE-1953F412C126}" type="datetimeFigureOut">
               <a:rPr lang="en-US" smtClean="0"/>
               <a:pPr/>
-              <a:t>2/26/2018</a:t>
+              <a:t>5/8/2018</a:t>
             </a:fld>
             <a:endParaRPr lang="en-US" dirty="0"/>
           </a:p>
@@ -3062,7 +3062,7 @@
     </p:spTree>
     <p:extLst>
       <p:ext uri="{BB962C8B-B14F-4D97-AF65-F5344CB8AC3E}">
-        <p14:creationId xmlns:p14="http://schemas.microsoft.com/office/powerpoint/2010/main" xmlns="" val="2649633687"/>
+        <p14:creationId xmlns="" xmlns:p14="http://schemas.microsoft.com/office/powerpoint/2010/main" val="2649633687"/>
       </p:ext>
     </p:extLst>
   </p:cSld>
@@ -3259,7 +3259,7 @@
             <a:fld id="{48A87A34-81AB-432B-8DAE-1953F412C126}" type="datetimeFigureOut">
               <a:rPr lang="en-US" smtClean="0"/>
               <a:pPr/>
-              <a:t>2/26/2018</a:t>
+              <a:t>5/8/2018</a:t>
             </a:fld>
             <a:endParaRPr lang="en-US" dirty="0"/>
           </a:p>
@@ -3311,7 +3311,7 @@
     </p:spTree>
     <p:extLst>
       <p:ext uri="{BB962C8B-B14F-4D97-AF65-F5344CB8AC3E}">
-        <p14:creationId xmlns:p14="http://schemas.microsoft.com/office/powerpoint/2010/main" xmlns="" val="572893903"/>
+        <p14:creationId xmlns="" xmlns:p14="http://schemas.microsoft.com/office/powerpoint/2010/main" val="572893903"/>
       </p:ext>
     </p:extLst>
   </p:cSld>
@@ -3493,7 +3493,7 @@
             <a:fld id="{48A87A34-81AB-432B-8DAE-1953F412C126}" type="datetimeFigureOut">
               <a:rPr lang="en-US" smtClean="0"/>
               <a:pPr/>
-              <a:t>2/26/2018</a:t>
+              <a:t>5/8/2018</a:t>
             </a:fld>
             <a:endParaRPr lang="en-US" dirty="0"/>
           </a:p>
@@ -3545,7 +3545,7 @@
     </p:spTree>
     <p:extLst>
       <p:ext uri="{BB962C8B-B14F-4D97-AF65-F5344CB8AC3E}">
-        <p14:creationId xmlns:p14="http://schemas.microsoft.com/office/powerpoint/2010/main" xmlns="" val="3918475607"/>
+        <p14:creationId xmlns="" xmlns:p14="http://schemas.microsoft.com/office/powerpoint/2010/main" val="3918475607"/>
       </p:ext>
     </p:extLst>
   </p:cSld>
@@ -3869,7 +3869,7 @@
             <a:fld id="{48A87A34-81AB-432B-8DAE-1953F412C126}" type="datetimeFigureOut">
               <a:rPr lang="en-US" smtClean="0"/>
               <a:pPr/>
-              <a:t>2/26/2018</a:t>
+              <a:t>5/8/2018</a:t>
             </a:fld>
             <a:endParaRPr lang="en-US" dirty="0"/>
           </a:p>
@@ -3921,7 +3921,7 @@
     </p:spTree>
     <p:extLst>
       <p:ext uri="{BB962C8B-B14F-4D97-AF65-F5344CB8AC3E}">
-        <p14:creationId xmlns:p14="http://schemas.microsoft.com/office/powerpoint/2010/main" xmlns="" val="70569158"/>
+        <p14:creationId xmlns="" xmlns:p14="http://schemas.microsoft.com/office/powerpoint/2010/main" val="70569158"/>
       </p:ext>
     </p:extLst>
   </p:cSld>
@@ -3994,7 +3994,7 @@
             <a:fld id="{48A87A34-81AB-432B-8DAE-1953F412C126}" type="datetimeFigureOut">
               <a:rPr lang="en-US" smtClean="0"/>
               <a:pPr/>
-              <a:t>2/26/2018</a:t>
+              <a:t>5/8/2018</a:t>
             </a:fld>
             <a:endParaRPr lang="en-US" dirty="0"/>
           </a:p>
@@ -4046,7 +4046,7 @@
     </p:spTree>
     <p:extLst>
       <p:ext uri="{BB962C8B-B14F-4D97-AF65-F5344CB8AC3E}">
-        <p14:creationId xmlns:p14="http://schemas.microsoft.com/office/powerpoint/2010/main" xmlns="" val="3956773614"/>
+        <p14:creationId xmlns="" xmlns:p14="http://schemas.microsoft.com/office/powerpoint/2010/main" val="3956773614"/>
       </p:ext>
     </p:extLst>
   </p:cSld>
@@ -4091,7 +4091,7 @@
             <a:fld id="{48A87A34-81AB-432B-8DAE-1953F412C126}" type="datetimeFigureOut">
               <a:rPr lang="en-US" smtClean="0"/>
               <a:pPr/>
-              <a:t>2/26/2018</a:t>
+              <a:t>5/8/2018</a:t>
             </a:fld>
             <a:endParaRPr lang="en-US" dirty="0"/>
           </a:p>
@@ -4143,7 +4143,7 @@
     </p:spTree>
     <p:extLst>
       <p:ext uri="{BB962C8B-B14F-4D97-AF65-F5344CB8AC3E}">
-        <p14:creationId xmlns:p14="http://schemas.microsoft.com/office/powerpoint/2010/main" xmlns="" val="843387325"/>
+        <p14:creationId xmlns="" xmlns:p14="http://schemas.microsoft.com/office/powerpoint/2010/main" val="843387325"/>
       </p:ext>
     </p:extLst>
   </p:cSld>
@@ -4348,7 +4348,7 @@
             <a:fld id="{48A87A34-81AB-432B-8DAE-1953F412C126}" type="datetimeFigureOut">
               <a:rPr lang="en-US" smtClean="0"/>
               <a:pPr/>
-              <a:t>2/26/2018</a:t>
+              <a:t>5/8/2018</a:t>
             </a:fld>
             <a:endParaRPr lang="en-US" dirty="0"/>
           </a:p>
@@ -4400,7 +4400,7 @@
     </p:spTree>
     <p:extLst>
       <p:ext uri="{BB962C8B-B14F-4D97-AF65-F5344CB8AC3E}">
-        <p14:creationId xmlns:p14="http://schemas.microsoft.com/office/powerpoint/2010/main" xmlns="" val="614752468"/>
+        <p14:creationId xmlns="" xmlns:p14="http://schemas.microsoft.com/office/powerpoint/2010/main" val="614752468"/>
       </p:ext>
     </p:extLst>
   </p:cSld>
@@ -4613,7 +4613,7 @@
             <a:fld id="{48A87A34-81AB-432B-8DAE-1953F412C126}" type="datetimeFigureOut">
               <a:rPr lang="en-US" smtClean="0"/>
               <a:pPr/>
-              <a:t>2/26/2018</a:t>
+              <a:t>5/8/2018</a:t>
             </a:fld>
             <a:endParaRPr lang="en-US" dirty="0"/>
           </a:p>
@@ -4665,7 +4665,7 @@
     </p:spTree>
     <p:extLst>
       <p:ext uri="{BB962C8B-B14F-4D97-AF65-F5344CB8AC3E}">
-        <p14:creationId xmlns:p14="http://schemas.microsoft.com/office/powerpoint/2010/main" xmlns="" val="2525773852"/>
+        <p14:creationId xmlns="" xmlns:p14="http://schemas.microsoft.com/office/powerpoint/2010/main" val="2525773852"/>
       </p:ext>
     </p:extLst>
   </p:cSld>
@@ -5358,7 +5358,7 @@
             <a:fld id="{48A87A34-81AB-432B-8DAE-1953F412C126}" type="datetimeFigureOut">
               <a:rPr lang="en-US" smtClean="0"/>
               <a:pPr/>
-              <a:t>2/26/2018</a:t>
+              <a:t>5/8/2018</a:t>
             </a:fld>
             <a:endParaRPr lang="en-US" dirty="0"/>
           </a:p>
@@ -5444,7 +5444,7 @@
     </p:spTree>
     <p:extLst>
       <p:ext uri="{BB962C8B-B14F-4D97-AF65-F5344CB8AC3E}">
-        <p14:creationId xmlns:p14="http://schemas.microsoft.com/office/powerpoint/2010/main" xmlns="" val="2849168193"/>
+        <p14:creationId xmlns="" xmlns:p14="http://schemas.microsoft.com/office/powerpoint/2010/main" val="2849168193"/>
       </p:ext>
     </p:extLst>
   </p:cSld>
@@ -5950,7 +5950,7 @@
     </p:spTree>
     <p:extLst>
       <p:ext uri="{BB962C8B-B14F-4D97-AF65-F5344CB8AC3E}">
-        <p14:creationId xmlns:p14="http://schemas.microsoft.com/office/powerpoint/2010/main" xmlns="" val="1597654807"/>
+        <p14:creationId xmlns="" xmlns:p14="http://schemas.microsoft.com/office/powerpoint/2010/main" val="1597654807"/>
       </p:ext>
     </p:extLst>
   </p:cSld>
@@ -6129,6 +6129,13 @@
               </a:rPr>
               <a:t>رتب الروبوت قبل وضعه في الخزانة </a:t>
             </a:r>
+            <a:r>
+              <a:rPr lang="en-US" sz="5700" smtClean="0">
+                <a:latin typeface="Ara Hamah Alislam" panose="00000500000000000000" pitchFamily="2" charset="-78"/>
+                <a:cs typeface="Ara Hamah Alislam" panose="00000500000000000000" pitchFamily="2" charset="-78"/>
+              </a:rPr>
+              <a:t> </a:t>
+            </a:r>
             <a:endParaRPr lang="he-IL" sz="5700" dirty="0" smtClean="0">
               <a:latin typeface="Ara Hamah Alislam" panose="00000500000000000000" pitchFamily="2" charset="-78"/>
             </a:endParaRPr>
@@ -6138,7 +6145,7 @@
     </p:spTree>
     <p:extLst>
       <p:ext uri="{BB962C8B-B14F-4D97-AF65-F5344CB8AC3E}">
-        <p14:creationId xmlns:p14="http://schemas.microsoft.com/office/powerpoint/2010/main" xmlns="" val="2508929371"/>
+        <p14:creationId xmlns="" xmlns:p14="http://schemas.microsoft.com/office/powerpoint/2010/main" val="2508929371"/>
       </p:ext>
     </p:extLst>
   </p:cSld>
@@ -6420,7 +6427,7 @@
     </p:spTree>
     <p:extLst>
       <p:ext uri="{BB962C8B-B14F-4D97-AF65-F5344CB8AC3E}">
-        <p14:creationId xmlns:p14="http://schemas.microsoft.com/office/powerpoint/2010/main" xmlns="" val="2508929371"/>
+        <p14:creationId xmlns="" xmlns:p14="http://schemas.microsoft.com/office/powerpoint/2010/main" val="2508929371"/>
       </p:ext>
     </p:extLst>
   </p:cSld>
@@ -6573,7 +6580,7 @@
     </p:spTree>
     <p:extLst>
       <p:ext uri="{BB962C8B-B14F-4D97-AF65-F5344CB8AC3E}">
-        <p14:creationId xmlns:p14="http://schemas.microsoft.com/office/powerpoint/2010/main" xmlns="" val="2508929371"/>
+        <p14:creationId xmlns="" xmlns:p14="http://schemas.microsoft.com/office/powerpoint/2010/main" val="2508929371"/>
       </p:ext>
     </p:extLst>
   </p:cSld>
@@ -6794,7 +6801,7 @@
     </p:spTree>
     <p:extLst>
       <p:ext uri="{BB962C8B-B14F-4D97-AF65-F5344CB8AC3E}">
-        <p14:creationId xmlns:p14="http://schemas.microsoft.com/office/powerpoint/2010/main" xmlns="" val="2508929371"/>
+        <p14:creationId xmlns="" xmlns:p14="http://schemas.microsoft.com/office/powerpoint/2010/main" val="2508929371"/>
       </p:ext>
     </p:extLst>
   </p:cSld>
@@ -7145,7 +7152,7 @@
     </p:spTree>
     <p:extLst>
       <p:ext uri="{BB962C8B-B14F-4D97-AF65-F5344CB8AC3E}">
-        <p14:creationId xmlns:p14="http://schemas.microsoft.com/office/powerpoint/2010/main" xmlns="" val="519124528"/>
+        <p14:creationId xmlns="" xmlns:p14="http://schemas.microsoft.com/office/powerpoint/2010/main" val="519124528"/>
       </p:ext>
     </p:extLst>
   </p:cSld>
@@ -7417,7 +7424,7 @@
     </p:spTree>
     <p:extLst>
       <p:ext uri="{BB962C8B-B14F-4D97-AF65-F5344CB8AC3E}">
-        <p14:creationId xmlns:p14="http://schemas.microsoft.com/office/powerpoint/2010/main" xmlns="" val="2508929371"/>
+        <p14:creationId xmlns="" xmlns:p14="http://schemas.microsoft.com/office/powerpoint/2010/main" val="2508929371"/>
       </p:ext>
     </p:extLst>
   </p:cSld>
@@ -7709,7 +7716,7 @@
     </p:spTree>
     <p:extLst>
       <p:ext uri="{BB962C8B-B14F-4D97-AF65-F5344CB8AC3E}">
-        <p14:creationId xmlns:p14="http://schemas.microsoft.com/office/powerpoint/2010/main" xmlns="" val="2508929371"/>
+        <p14:creationId xmlns="" xmlns:p14="http://schemas.microsoft.com/office/powerpoint/2010/main" val="2508929371"/>
       </p:ext>
     </p:extLst>
   </p:cSld>
@@ -7980,7 +7987,7 @@
     </p:spTree>
     <p:extLst>
       <p:ext uri="{BB962C8B-B14F-4D97-AF65-F5344CB8AC3E}">
-        <p14:creationId xmlns:p14="http://schemas.microsoft.com/office/powerpoint/2010/main" xmlns="" val="2508929371"/>
+        <p14:creationId xmlns="" xmlns:p14="http://schemas.microsoft.com/office/powerpoint/2010/main" val="2508929371"/>
       </p:ext>
     </p:extLst>
   </p:cSld>
@@ -8219,7 +8226,7 @@
     </p:spTree>
     <p:extLst>
       <p:ext uri="{BB962C8B-B14F-4D97-AF65-F5344CB8AC3E}">
-        <p14:creationId xmlns:p14="http://schemas.microsoft.com/office/powerpoint/2010/main" xmlns="" val="2508929371"/>
+        <p14:creationId xmlns="" xmlns:p14="http://schemas.microsoft.com/office/powerpoint/2010/main" val="2508929371"/>
       </p:ext>
     </p:extLst>
   </p:cSld>
@@ -8487,7 +8494,7 @@
   <a:extraClrSchemeLst/>
   <a:extLst>
     <a:ext uri="{05A4C25C-085E-4340-85A3-A5531E510DB2}">
-      <thm15:themeFamily xmlns:thm15="http://schemas.microsoft.com/office/thememl/2012/main" xmlns="" name="Facet" id="{C0C680CD-088A-49FC-A102-D699147F32B2}" vid="{CFBC31BA-B70F-4F30-BCAA-4F3011E16C4D}"/>
+      <thm15:themeFamily xmlns="" xmlns:thm15="http://schemas.microsoft.com/office/thememl/2012/main" name="Facet" id="{C0C680CD-088A-49FC-A102-D699147F32B2}" vid="{CFBC31BA-B70F-4F30-BCAA-4F3011E16C4D}"/>
     </a:ext>
   </a:extLst>
 </a:theme>
